--- a/test/files/示例.pptx
+++ b/test/files/示例.pptx
@@ -7756,8 +7756,8 @@
         </p:nvSpPr>
         <p:spPr>
           <a:xfrm>
-            <a:off x="0" y="1620000"/>
-            <a:ext cx="9000000" cy="1080000"/>
+            <a:off x="1844040" y="1826895"/>
+            <a:ext cx="6499225" cy="979170"/>
           </a:xfrm>
           <a:prstGeom prst="rect">
             <a:avLst/>
@@ -7769,7 +7769,7 @@
         </p:spPr>
         <p:txBody>
           <a:bodyPr lIns="0" tIns="0" rIns="0" bIns="0" anchor="ctr">
-            <a:spAutoFit/>
+            <a:noAutofit/>
           </a:bodyPr>
           <a:p>
             <a:pPr indent="0" algn="ctr">
@@ -7881,7 +7881,18 @@
                 <a:uFillTx/>
                 <a:latin typeface="Arial" panose="020B0604020202090204"/>
               </a:rPr>
-              <a:t>浏览量</a:t>
+              <a:t>第二页</a:t>
+            </a:r>
+            <a:r>
+              <a:rPr lang="zh-CN" altLang="en-US" sz="3300" b="0" u="none" strike="noStrike">
+                <a:solidFill>
+                  <a:srgbClr val="EEEEEE"/>
+                </a:solidFill>
+                <a:effectLst/>
+                <a:uFillTx/>
+                <a:latin typeface="Arial" panose="020B0604020202090204"/>
+              </a:rPr>
+              <a:t>标题</a:t>
             </a:r>
             <a:endParaRPr lang="zh-CN" altLang="en-US" sz="3300" b="0" u="none" strike="noStrike">
               <a:solidFill>
@@ -7924,7 +7935,11 @@
                       <a:pPr>
                         <a:buNone/>
                       </a:pPr>
-                      <a:endParaRPr lang="zh-CN" altLang="en-US"/>
+                      <a:r>
+                        <a:rPr lang="en-US" altLang="zh-CN"/>
+                        <a:t>sd </a:t>
+                      </a:r>
+                      <a:endParaRPr lang="en-US" altLang="zh-CN"/>
                     </a:p>
                   </a:txBody>
                   <a:tcPr/>
@@ -7936,7 +7951,11 @@
                       <a:pPr>
                         <a:buNone/>
                       </a:pPr>
-                      <a:endParaRPr lang="zh-CN" altLang="en-US"/>
+                      <a:r>
+                        <a:rPr lang="en-US" altLang="zh-CN"/>
+                        <a:t>sd </a:t>
+                      </a:r>
+                      <a:endParaRPr lang="en-US" altLang="zh-CN"/>
                     </a:p>
                   </a:txBody>
                   <a:tcPr/>
@@ -7950,7 +7969,11 @@
                       <a:pPr>
                         <a:buNone/>
                       </a:pPr>
-                      <a:endParaRPr lang="zh-CN" altLang="en-US"/>
+                      <a:r>
+                        <a:rPr lang="en-US" altLang="zh-CN"/>
+                        <a:t>sd sdas </a:t>
+                      </a:r>
+                      <a:endParaRPr lang="en-US" altLang="zh-CN"/>
                     </a:p>
                   </a:txBody>
                   <a:tcPr/>
@@ -7962,7 +7985,11 @@
                       <a:pPr>
                         <a:buNone/>
                       </a:pPr>
-                      <a:endParaRPr lang="zh-CN" altLang="en-US"/>
+                      <a:r>
+                        <a:rPr lang="en-US" altLang="zh-CN"/>
+                        <a:t>sd asdfasdfd</a:t>
+                      </a:r>
+                      <a:endParaRPr lang="en-US" altLang="zh-CN"/>
                     </a:p>
                   </a:txBody>
                   <a:tcPr/>
@@ -7985,9 +8012,7 @@
         <p:spPr/>
         <p:txBody>
           <a:bodyPr/>
-          <a:p>
-            <a:endParaRPr/>
-          </a:p>
+          <a:p/>
         </p:txBody>
       </p:sp>
       <p:sp>
@@ -7998,7 +8023,7 @@
         </p:nvSpPr>
         <p:spPr>
           <a:xfrm>
-            <a:off x="2430780" y="2856865"/>
+            <a:off x="1295400" y="2488565"/>
             <a:ext cx="3360420" cy="368300"/>
           </a:xfrm>
           <a:prstGeom prst="rect">
@@ -8013,7 +8038,44 @@
           <a:p>
             <a:r>
               <a:rPr lang="zh-CN" altLang="en-US"/>
-              <a:t>收到发生的</a:t>
+              <a:t>第一行</a:t>
+            </a:r>
+            <a:r>
+              <a:rPr lang="zh-CN" altLang="en-US"/>
+              <a:t>内容</a:t>
+            </a:r>
+            <a:endParaRPr lang="zh-CN" altLang="en-US"/>
+          </a:p>
+        </p:txBody>
+      </p:sp>
+      <p:sp>
+        <p:nvSpPr>
+          <p:cNvPr id="5" name="文本框 4"/>
+          <p:cNvSpPr txBox="1"/>
+          <p:nvPr/>
+        </p:nvSpPr>
+        <p:spPr>
+          <a:xfrm>
+            <a:off x="3959860" y="3915410"/>
+            <a:ext cx="3360420" cy="368300"/>
+          </a:xfrm>
+          <a:prstGeom prst="rect">
+            <a:avLst/>
+          </a:prstGeom>
+          <a:noFill/>
+        </p:spPr>
+        <p:txBody>
+          <a:bodyPr wrap="square" rtlCol="0">
+            <a:spAutoFit/>
+          </a:bodyPr>
+          <a:p>
+            <a:r>
+              <a:rPr lang="zh-CN" altLang="en-US"/>
+              <a:t>第二行</a:t>
+            </a:r>
+            <a:r>
+              <a:rPr lang="zh-CN" altLang="en-US"/>
+              <a:t>内容</a:t>
             </a:r>
             <a:endParaRPr lang="zh-CN" altLang="en-US"/>
           </a:p>
@@ -8065,7 +8127,12 @@
             </p:custDataLst>
           </p:nvPr>
         </p:nvSpPr>
-        <p:spPr/>
+        <p:spPr>
+          <a:xfrm>
+            <a:off x="581025" y="2039620"/>
+            <a:ext cx="4458970" cy="819150"/>
+          </a:xfrm>
+        </p:spPr>
         <p:txBody>
           <a:bodyPr wrap="square">
             <a:normAutofit/>
@@ -8116,7 +8183,7 @@
       </p:sp>
       <p:pic>
         <p:nvPicPr>
-          <p:cNvPr id="4" name="图片 3" descr="萝卜头像2025-3"/>
+          <p:cNvPr id="3" name="图片 2" descr="萝卜头像2026"/>
           <p:cNvPicPr>
             <a:picLocks noChangeAspect="1"/>
           </p:cNvPicPr>
@@ -8130,8 +8197,8 @@
         </p:blipFill>
         <p:spPr>
           <a:xfrm>
-            <a:off x="4752340" y="530860"/>
-            <a:ext cx="4762500" cy="4762500"/>
+            <a:off x="581025" y="170815"/>
+            <a:ext cx="1869440" cy="1869440"/>
           </a:xfrm>
           <a:prstGeom prst="rect">
             <a:avLst/>
